--- a/Journal-3-phase/v2/Experimental-Setup/New Microsoft PowerPoint Presentation [Autosaved].pptx
+++ b/Journal-3-phase/v2/Experimental-Setup/New Microsoft PowerPoint Presentation [Autosaved].pptx
@@ -259,7 +259,7 @@
           <a:p>
             <a:fld id="{D49CAE5C-C50C-4764-AC40-B35DFB67C5D5}" type="datetimeFigureOut">
               <a:rPr lang="en-US" smtClean="0"/>
-              <a:t>3/9/2022</a:t>
+              <a:t>6/6/2022</a:t>
             </a:fld>
             <a:endParaRPr lang="en-US"/>
           </a:p>
@@ -457,7 +457,7 @@
           <a:p>
             <a:fld id="{D49CAE5C-C50C-4764-AC40-B35DFB67C5D5}" type="datetimeFigureOut">
               <a:rPr lang="en-US" smtClean="0"/>
-              <a:t>3/9/2022</a:t>
+              <a:t>6/6/2022</a:t>
             </a:fld>
             <a:endParaRPr lang="en-US"/>
           </a:p>
@@ -665,7 +665,7 @@
           <a:p>
             <a:fld id="{D49CAE5C-C50C-4764-AC40-B35DFB67C5D5}" type="datetimeFigureOut">
               <a:rPr lang="en-US" smtClean="0"/>
-              <a:t>3/9/2022</a:t>
+              <a:t>6/6/2022</a:t>
             </a:fld>
             <a:endParaRPr lang="en-US"/>
           </a:p>
@@ -863,7 +863,7 @@
           <a:p>
             <a:fld id="{D49CAE5C-C50C-4764-AC40-B35DFB67C5D5}" type="datetimeFigureOut">
               <a:rPr lang="en-US" smtClean="0"/>
-              <a:t>3/9/2022</a:t>
+              <a:t>6/6/2022</a:t>
             </a:fld>
             <a:endParaRPr lang="en-US"/>
           </a:p>
@@ -1138,7 +1138,7 @@
           <a:p>
             <a:fld id="{D49CAE5C-C50C-4764-AC40-B35DFB67C5D5}" type="datetimeFigureOut">
               <a:rPr lang="en-US" smtClean="0"/>
-              <a:t>3/9/2022</a:t>
+              <a:t>6/6/2022</a:t>
             </a:fld>
             <a:endParaRPr lang="en-US"/>
           </a:p>
@@ -1403,7 +1403,7 @@
           <a:p>
             <a:fld id="{D49CAE5C-C50C-4764-AC40-B35DFB67C5D5}" type="datetimeFigureOut">
               <a:rPr lang="en-US" smtClean="0"/>
-              <a:t>3/9/2022</a:t>
+              <a:t>6/6/2022</a:t>
             </a:fld>
             <a:endParaRPr lang="en-US"/>
           </a:p>
@@ -1815,7 +1815,7 @@
           <a:p>
             <a:fld id="{D49CAE5C-C50C-4764-AC40-B35DFB67C5D5}" type="datetimeFigureOut">
               <a:rPr lang="en-US" smtClean="0"/>
-              <a:t>3/9/2022</a:t>
+              <a:t>6/6/2022</a:t>
             </a:fld>
             <a:endParaRPr lang="en-US"/>
           </a:p>
@@ -1956,7 +1956,7 @@
           <a:p>
             <a:fld id="{D49CAE5C-C50C-4764-AC40-B35DFB67C5D5}" type="datetimeFigureOut">
               <a:rPr lang="en-US" smtClean="0"/>
-              <a:t>3/9/2022</a:t>
+              <a:t>6/6/2022</a:t>
             </a:fld>
             <a:endParaRPr lang="en-US"/>
           </a:p>
@@ -2069,7 +2069,7 @@
           <a:p>
             <a:fld id="{D49CAE5C-C50C-4764-AC40-B35DFB67C5D5}" type="datetimeFigureOut">
               <a:rPr lang="en-US" smtClean="0"/>
-              <a:t>3/9/2022</a:t>
+              <a:t>6/6/2022</a:t>
             </a:fld>
             <a:endParaRPr lang="en-US"/>
           </a:p>
@@ -2380,7 +2380,7 @@
           <a:p>
             <a:fld id="{D49CAE5C-C50C-4764-AC40-B35DFB67C5D5}" type="datetimeFigureOut">
               <a:rPr lang="en-US" smtClean="0"/>
-              <a:t>3/9/2022</a:t>
+              <a:t>6/6/2022</a:t>
             </a:fld>
             <a:endParaRPr lang="en-US"/>
           </a:p>
@@ -2668,7 +2668,7 @@
           <a:p>
             <a:fld id="{D49CAE5C-C50C-4764-AC40-B35DFB67C5D5}" type="datetimeFigureOut">
               <a:rPr lang="en-US" smtClean="0"/>
-              <a:t>3/9/2022</a:t>
+              <a:t>6/6/2022</a:t>
             </a:fld>
             <a:endParaRPr lang="en-US"/>
           </a:p>
@@ -2909,7 +2909,7 @@
           <a:p>
             <a:fld id="{D49CAE5C-C50C-4764-AC40-B35DFB67C5D5}" type="datetimeFigureOut">
               <a:rPr lang="en-US" smtClean="0"/>
-              <a:t>3/9/2022</a:t>
+              <a:t>6/6/2022</a:t>
             </a:fld>
             <a:endParaRPr lang="en-US"/>
           </a:p>
@@ -3795,8 +3795,8 @@
         </p:nvSpPr>
         <p:spPr>
           <a:xfrm>
-            <a:off x="6411895" y="4857565"/>
-            <a:ext cx="1133382" cy="313681"/>
+            <a:off x="6411893" y="4857565"/>
+            <a:ext cx="1968703" cy="313681"/>
           </a:xfrm>
           <a:prstGeom prst="rect">
             <a:avLst/>
@@ -3831,7 +3831,7 @@
                 <a:latin typeface="Times New Roman" panose="02020603050405020304" pitchFamily="18" charset="0"/>
                 <a:cs typeface="Times New Roman" panose="02020603050405020304" pitchFamily="18" charset="0"/>
               </a:rPr>
-              <a:t>DC motor</a:t>
+              <a:t>Load (DC motor)</a:t>
             </a:r>
           </a:p>
         </p:txBody>
@@ -4008,8 +4008,8 @@
         </p:nvCxnSpPr>
         <p:spPr>
           <a:xfrm flipH="1">
-            <a:off x="6978586" y="4208016"/>
-            <a:ext cx="566692" cy="649549"/>
+            <a:off x="7396245" y="4208016"/>
+            <a:ext cx="149034" cy="649549"/>
           </a:xfrm>
           <a:prstGeom prst="straightConnector1">
             <a:avLst/>
